--- a/bishops/cs321/resources/CS321_Lecture_15C.pptx
+++ b/bishops/cs321/resources/CS321_Lecture_15C.pptx
@@ -115,7 +115,7 @@
   </p:defaultTextStyle>
   <p:extLst>
     <p:ext uri="{EFAFB233-063F-42B5-8137-9DF3F51BA10A}">
-      <p15:sldGuideLst xmlns:p15="http://schemas.microsoft.com/office/powerpoint/2012/main"/>
+      <p15:sldGuideLst xmlns:p15="http://schemas.microsoft.com/office/powerpoint/2012/main" xmlns=""/>
     </p:ext>
   </p:extLst>
 </p:presentation>
@@ -126,7 +126,7 @@
   <p:cmAuthor id="1" name="Gregory" initials="G" lastIdx="1" clrIdx="0">
     <p:extLst>
       <p:ext uri="{19B8F6BF-5375-455C-9EA6-DF929625EA0E}">
-        <p15:presenceInfo xmlns:p15="http://schemas.microsoft.com/office/powerpoint/2012/main" userId="Gregory" providerId="None"/>
+        <p15:presenceInfo xmlns:p15="http://schemas.microsoft.com/office/powerpoint/2012/main" xmlns="" userId="Gregory" providerId="None"/>
       </p:ext>
     </p:extLst>
   </p:cmAuthor>
@@ -215,7 +215,8 @@
           <a:p>
             <a:fld id="{A6583E9D-07AB-4C6D-BFD0-47E805C6B3D4}" type="datetimeFigureOut">
               <a:rPr lang="en-CA" smtClean="0"/>
-              <a:t>2022-03-17</a:t>
+              <a:pPr/>
+              <a:t>2024-03-08</a:t>
             </a:fld>
             <a:endParaRPr lang="en-CA"/>
           </a:p>
@@ -374,6 +375,7 @@
           <a:p>
             <a:fld id="{8F20841C-25C9-4C0C-A7FA-C4A363D14F5A}" type="slidenum">
               <a:rPr lang="en-CA" smtClean="0"/>
+              <a:pPr/>
               <a:t>‹#›</a:t>
             </a:fld>
             <a:endParaRPr lang="en-CA"/>
@@ -383,7 +385,7 @@
     </p:spTree>
     <p:extLst>
       <p:ext uri="{BB962C8B-B14F-4D97-AF65-F5344CB8AC3E}">
-        <p14:creationId xmlns:p14="http://schemas.microsoft.com/office/powerpoint/2010/main" val="4237529172"/>
+        <p14:creationId xmlns:p14="http://schemas.microsoft.com/office/powerpoint/2010/main" xmlns="" val="4237529172"/>
       </p:ext>
     </p:extLst>
   </p:cSld>
@@ -527,14 +529,6 @@
           <a:bodyPr/>
           <a:lstStyle/>
           <a:p>
-            <a:r>
-              <a:rPr lang="en-CA" dirty="0"/>
-              <a:t>Multi-instrument</a:t>
-            </a:r>
-            <a:r>
-              <a:rPr lang="en-CA" baseline="0" dirty="0"/>
-              <a:t> / Multi-instrument Inter-process (minus the)-with Eye Trackers-</a:t>
-            </a:r>
             <a:endParaRPr lang="en-CA" dirty="0"/>
           </a:p>
         </p:txBody>
@@ -556,6 +550,7 @@
           <a:p>
             <a:fld id="{8F20841C-25C9-4C0C-A7FA-C4A363D14F5A}" type="slidenum">
               <a:rPr lang="en-CA" smtClean="0"/>
+              <a:pPr/>
               <a:t>1</a:t>
             </a:fld>
             <a:endParaRPr lang="en-CA"/>
@@ -565,7 +560,7 @@
     </p:spTree>
     <p:extLst>
       <p:ext uri="{BB962C8B-B14F-4D97-AF65-F5344CB8AC3E}">
-        <p14:creationId xmlns:p14="http://schemas.microsoft.com/office/powerpoint/2010/main" val="2340334442"/>
+        <p14:creationId xmlns:p14="http://schemas.microsoft.com/office/powerpoint/2010/main" xmlns="" val="2340334442"/>
       </p:ext>
     </p:extLst>
   </p:cSld>
@@ -759,6 +754,7 @@
           <a:p>
             <a:fld id="{5174927E-2439-42C0-9720-7BBCA09BF46F}" type="slidenum">
               <a:rPr lang="en-CA" smtClean="0"/>
+              <a:pPr/>
               <a:t>‹#›</a:t>
             </a:fld>
             <a:endParaRPr lang="en-CA"/>
@@ -768,7 +764,7 @@
     </p:spTree>
     <p:extLst>
       <p:ext uri="{BB962C8B-B14F-4D97-AF65-F5344CB8AC3E}">
-        <p14:creationId xmlns:p14="http://schemas.microsoft.com/office/powerpoint/2010/main" val="1900560834"/>
+        <p14:creationId xmlns:p14="http://schemas.microsoft.com/office/powerpoint/2010/main" xmlns="" val="1900560834"/>
       </p:ext>
     </p:extLst>
   </p:cSld>
@@ -932,6 +928,7 @@
           <a:p>
             <a:fld id="{5174927E-2439-42C0-9720-7BBCA09BF46F}" type="slidenum">
               <a:rPr lang="en-CA" smtClean="0"/>
+              <a:pPr/>
               <a:t>‹#›</a:t>
             </a:fld>
             <a:endParaRPr lang="en-CA"/>
@@ -941,7 +938,7 @@
     </p:spTree>
     <p:extLst>
       <p:ext uri="{BB962C8B-B14F-4D97-AF65-F5344CB8AC3E}">
-        <p14:creationId xmlns:p14="http://schemas.microsoft.com/office/powerpoint/2010/main" val="3722958745"/>
+        <p14:creationId xmlns:p14="http://schemas.microsoft.com/office/powerpoint/2010/main" xmlns="" val="3722958745"/>
       </p:ext>
     </p:extLst>
   </p:cSld>
@@ -1177,7 +1174,7 @@
     </p:spTree>
     <p:extLst>
       <p:ext uri="{BB962C8B-B14F-4D97-AF65-F5344CB8AC3E}">
-        <p14:creationId xmlns:p14="http://schemas.microsoft.com/office/powerpoint/2010/main" val="1822376042"/>
+        <p14:creationId xmlns:p14="http://schemas.microsoft.com/office/powerpoint/2010/main" xmlns="" val="1822376042"/>
       </p:ext>
     </p:extLst>
   </p:cSld>
@@ -1417,6 +1414,7 @@
           <a:p>
             <a:fld id="{5174927E-2439-42C0-9720-7BBCA09BF46F}" type="slidenum">
               <a:rPr lang="en-CA" smtClean="0"/>
+              <a:pPr/>
               <a:t>‹#›</a:t>
             </a:fld>
             <a:endParaRPr lang="en-CA"/>
@@ -1426,7 +1424,7 @@
     </p:spTree>
     <p:extLst>
       <p:ext uri="{BB962C8B-B14F-4D97-AF65-F5344CB8AC3E}">
-        <p14:creationId xmlns:p14="http://schemas.microsoft.com/office/powerpoint/2010/main" val="3411672561"/>
+        <p14:creationId xmlns:p14="http://schemas.microsoft.com/office/powerpoint/2010/main" xmlns="" val="3411672561"/>
       </p:ext>
     </p:extLst>
   </p:cSld>
@@ -1652,6 +1650,7 @@
           <a:p>
             <a:fld id="{5174927E-2439-42C0-9720-7BBCA09BF46F}" type="slidenum">
               <a:rPr lang="en-CA" smtClean="0"/>
+              <a:pPr/>
               <a:t>‹#›</a:t>
             </a:fld>
             <a:endParaRPr lang="en-CA"/>
@@ -1661,7 +1660,7 @@
     </p:spTree>
     <p:extLst>
       <p:ext uri="{BB962C8B-B14F-4D97-AF65-F5344CB8AC3E}">
-        <p14:creationId xmlns:p14="http://schemas.microsoft.com/office/powerpoint/2010/main" val="1093008526"/>
+        <p14:creationId xmlns:p14="http://schemas.microsoft.com/office/powerpoint/2010/main" xmlns="" val="1093008526"/>
       </p:ext>
     </p:extLst>
   </p:cSld>
@@ -2022,6 +2021,7 @@
           <a:p>
             <a:fld id="{5174927E-2439-42C0-9720-7BBCA09BF46F}" type="slidenum">
               <a:rPr lang="en-CA" smtClean="0"/>
+              <a:pPr/>
               <a:t>‹#›</a:t>
             </a:fld>
             <a:endParaRPr lang="en-CA"/>
@@ -2031,7 +2031,7 @@
     </p:spTree>
     <p:extLst>
       <p:ext uri="{BB962C8B-B14F-4D97-AF65-F5344CB8AC3E}">
-        <p14:creationId xmlns:p14="http://schemas.microsoft.com/office/powerpoint/2010/main" val="1087924878"/>
+        <p14:creationId xmlns:p14="http://schemas.microsoft.com/office/powerpoint/2010/main" xmlns="" val="1087924878"/>
       </p:ext>
     </p:extLst>
   </p:cSld>
@@ -2143,6 +2143,7 @@
           <a:p>
             <a:fld id="{5174927E-2439-42C0-9720-7BBCA09BF46F}" type="slidenum">
               <a:rPr lang="en-CA" smtClean="0"/>
+              <a:pPr/>
               <a:t>‹#›</a:t>
             </a:fld>
             <a:endParaRPr lang="en-CA"/>
@@ -2152,7 +2153,7 @@
     </p:spTree>
     <p:extLst>
       <p:ext uri="{BB962C8B-B14F-4D97-AF65-F5344CB8AC3E}">
-        <p14:creationId xmlns:p14="http://schemas.microsoft.com/office/powerpoint/2010/main" val="3802387408"/>
+        <p14:creationId xmlns:p14="http://schemas.microsoft.com/office/powerpoint/2010/main" xmlns="" val="3802387408"/>
       </p:ext>
     </p:extLst>
   </p:cSld>
@@ -2241,6 +2242,7 @@
           <a:p>
             <a:fld id="{5174927E-2439-42C0-9720-7BBCA09BF46F}" type="slidenum">
               <a:rPr lang="en-CA" smtClean="0"/>
+              <a:pPr/>
               <a:t>‹#›</a:t>
             </a:fld>
             <a:endParaRPr lang="en-CA"/>
@@ -2250,7 +2252,7 @@
     </p:spTree>
     <p:extLst>
       <p:ext uri="{BB962C8B-B14F-4D97-AF65-F5344CB8AC3E}">
-        <p14:creationId xmlns:p14="http://schemas.microsoft.com/office/powerpoint/2010/main" val="4234091411"/>
+        <p14:creationId xmlns:p14="http://schemas.microsoft.com/office/powerpoint/2010/main" xmlns="" val="4234091411"/>
       </p:ext>
     </p:extLst>
   </p:cSld>
@@ -2521,6 +2523,7 @@
           <a:p>
             <a:fld id="{5174927E-2439-42C0-9720-7BBCA09BF46F}" type="slidenum">
               <a:rPr lang="en-CA" smtClean="0"/>
+              <a:pPr/>
               <a:t>‹#›</a:t>
             </a:fld>
             <a:endParaRPr lang="en-CA"/>
@@ -2530,7 +2533,7 @@
     </p:spTree>
     <p:extLst>
       <p:ext uri="{BB962C8B-B14F-4D97-AF65-F5344CB8AC3E}">
-        <p14:creationId xmlns:p14="http://schemas.microsoft.com/office/powerpoint/2010/main" val="4189422420"/>
+        <p14:creationId xmlns:p14="http://schemas.microsoft.com/office/powerpoint/2010/main" xmlns="" val="4189422420"/>
       </p:ext>
     </p:extLst>
   </p:cSld>
@@ -2777,6 +2780,7 @@
           <a:p>
             <a:fld id="{5174927E-2439-42C0-9720-7BBCA09BF46F}" type="slidenum">
               <a:rPr lang="en-CA" smtClean="0"/>
+              <a:pPr/>
               <a:t>‹#›</a:t>
             </a:fld>
             <a:endParaRPr lang="en-CA"/>
@@ -2786,7 +2790,7 @@
     </p:spTree>
     <p:extLst>
       <p:ext uri="{BB962C8B-B14F-4D97-AF65-F5344CB8AC3E}">
-        <p14:creationId xmlns:p14="http://schemas.microsoft.com/office/powerpoint/2010/main" val="3252977898"/>
+        <p14:creationId xmlns:p14="http://schemas.microsoft.com/office/powerpoint/2010/main" xmlns="" val="3252977898"/>
       </p:ext>
     </p:extLst>
   </p:cSld>
@@ -3052,10 +3056,10 @@
           <p:nvPr userDrawn="1"/>
         </p:nvPicPr>
         <p:blipFill>
-          <a:blip r:embed="rId13">
+          <a:blip r:embed="rId13" cstate="print">
             <a:extLst>
               <a:ext uri="{28A0092B-C50C-407E-A947-70E740481C1C}">
-                <a14:useLocalDpi xmlns:a14="http://schemas.microsoft.com/office/drawing/2010/main" val="0"/>
+                <a14:useLocalDpi xmlns:a14="http://schemas.microsoft.com/office/drawing/2010/main" xmlns="" val="0"/>
               </a:ext>
             </a:extLst>
           </a:blip>
@@ -3076,7 +3080,7 @@
     </p:spTree>
     <p:extLst>
       <p:ext uri="{BB962C8B-B14F-4D97-AF65-F5344CB8AC3E}">
-        <p14:creationId xmlns:p14="http://schemas.microsoft.com/office/powerpoint/2010/main" val="4230061028"/>
+        <p14:creationId xmlns:p14="http://schemas.microsoft.com/office/powerpoint/2010/main" xmlns="" val="4230061028"/>
       </p:ext>
     </p:extLst>
   </p:cSld>
@@ -3510,12 +3514,6 @@
             <a:endParaRPr lang="en-CA" baseline="30000" dirty="0"/>
           </a:p>
           <a:p>
-            <a:r>
-              <a:rPr lang="en-CA" dirty="0"/>
-              <a:t>Date: January 31, 2022</a:t>
-            </a:r>
-          </a:p>
-          <a:p>
             <a:endParaRPr lang="en-CA" dirty="0"/>
           </a:p>
         </p:txBody>
@@ -3525,7 +3523,7 @@
           <p:cNvPr id="13" name="Picture 8" descr="http://osiris.ubishops.ca/~alussier/images/transparentlogo_bu.png">
             <a:extLst>
               <a:ext uri="{FF2B5EF4-FFF2-40B4-BE49-F238E27FC236}">
-                <a16:creationId xmlns:a16="http://schemas.microsoft.com/office/drawing/2014/main" id="{CCB9A035-2F1C-4B96-A5DB-70B72D6E4AD8}"/>
+                <a16:creationId xmlns:a16="http://schemas.microsoft.com/office/drawing/2014/main" xmlns="" id="{CCB9A035-2F1C-4B96-A5DB-70B72D6E4AD8}"/>
               </a:ext>
             </a:extLst>
           </p:cNvPr>
@@ -3535,10 +3533,10 @@
           <p:nvPr/>
         </p:nvPicPr>
         <p:blipFill>
-          <a:blip r:embed="rId3">
+          <a:blip r:embed="rId3" cstate="print">
             <a:extLst>
               <a:ext uri="{28A0092B-C50C-407E-A947-70E740481C1C}">
-                <a14:useLocalDpi xmlns:a14="http://schemas.microsoft.com/office/drawing/2010/main" val="0"/>
+                <a14:useLocalDpi xmlns:a14="http://schemas.microsoft.com/office/drawing/2010/main" xmlns="" val="0"/>
               </a:ext>
             </a:extLst>
           </a:blip>
@@ -3558,7 +3556,7 @@
           <a:noFill/>
           <a:extLst>
             <a:ext uri="{909E8E84-426E-40DD-AFC4-6F175D3DCCD1}">
-              <a14:hiddenFill xmlns:a14="http://schemas.microsoft.com/office/drawing/2010/main">
+              <a14:hiddenFill xmlns:a14="http://schemas.microsoft.com/office/drawing/2010/main" xmlns="">
                 <a:solidFill>
                   <a:srgbClr val="FFFFFF"/>
                 </a:solidFill>
@@ -3570,7 +3568,7 @@
     </p:spTree>
     <p:extLst>
       <p:ext uri="{BB962C8B-B14F-4D97-AF65-F5344CB8AC3E}">
-        <p14:creationId xmlns:p14="http://schemas.microsoft.com/office/powerpoint/2010/main" val="4177077622"/>
+        <p14:creationId xmlns:p14="http://schemas.microsoft.com/office/powerpoint/2010/main" xmlns="" val="4177077622"/>
       </p:ext>
     </p:extLst>
   </p:cSld>
@@ -3765,6 +3763,23 @@
               </a:rPr>
               <a:t>printspooler</a:t>
             </a:r>
+            <a:r>
+              <a:rPr kumimoji="0" lang="en-US" altLang="en-US" sz="2400" b="1" i="0" u="none" strike="noStrike" kern="0" cap="none" spc="0" normalizeH="0" baseline="0" noProof="0" dirty="0">
+                <a:ln>
+                  <a:noFill/>
+                </a:ln>
+                <a:solidFill>
+                  <a:srgbClr val="02030E"/>
+                </a:solidFill>
+                <a:effectLst/>
+                <a:uLnTx/>
+                <a:uFillTx/>
+                <a:latin typeface="Optimum"/>
+                <a:ea typeface="ＭＳ Ｐゴシック" panose="020B0600070205080204" pitchFamily="34" charset="-128"/>
+                <a:cs typeface="+mn-cs"/>
+              </a:rPr>
+              <a:t/>
+            </a:r>
             <a:br>
               <a:rPr kumimoji="0" lang="en-US" altLang="en-US" sz="2400" b="1" i="0" u="none" strike="noStrike" kern="0" cap="none" spc="0" normalizeH="0" baseline="0" noProof="0" dirty="0">
                 <a:ln>
@@ -4012,28 +4027,6 @@
       </p:sp>
       <p:sp>
         <p:nvSpPr>
-          <p:cNvPr id="6" name="Date Placeholder 5"/>
-          <p:cNvSpPr>
-            <a:spLocks noGrp="1"/>
-          </p:cNvSpPr>
-          <p:nvPr>
-            <p:ph type="dt" sz="half" idx="2"/>
-          </p:nvPr>
-        </p:nvSpPr>
-        <p:spPr/>
-        <p:txBody>
-          <a:bodyPr/>
-          <a:lstStyle/>
-          <a:p>
-            <a:r>
-              <a:rPr lang="en-CA" dirty="0"/>
-              <a:t>Winter 2022</a:t>
-            </a:r>
-          </a:p>
-        </p:txBody>
-      </p:sp>
-      <p:sp>
-        <p:nvSpPr>
           <p:cNvPr id="10" name="Footer Placeholder 9"/>
           <p:cNvSpPr>
             <a:spLocks noGrp="1"/>
@@ -4084,7 +4077,7 @@
     </p:spTree>
     <p:extLst>
       <p:ext uri="{BB962C8B-B14F-4D97-AF65-F5344CB8AC3E}">
-        <p14:creationId xmlns:p14="http://schemas.microsoft.com/office/powerpoint/2010/main" val="51204498"/>
+        <p14:creationId xmlns:p14="http://schemas.microsoft.com/office/powerpoint/2010/main" xmlns="" val="51204498"/>
       </p:ext>
     </p:extLst>
   </p:cSld>
@@ -4168,28 +4161,6 @@
       </p:sp>
       <p:sp>
         <p:nvSpPr>
-          <p:cNvPr id="6" name="Date Placeholder 5"/>
-          <p:cNvSpPr>
-            <a:spLocks noGrp="1"/>
-          </p:cNvSpPr>
-          <p:nvPr>
-            <p:ph type="dt" sz="half" idx="2"/>
-          </p:nvPr>
-        </p:nvSpPr>
-        <p:spPr/>
-        <p:txBody>
-          <a:bodyPr/>
-          <a:lstStyle/>
-          <a:p>
-            <a:r>
-              <a:rPr lang="en-CA" dirty="0"/>
-              <a:t>Winter 2022</a:t>
-            </a:r>
-          </a:p>
-        </p:txBody>
-      </p:sp>
-      <p:sp>
-        <p:nvSpPr>
           <p:cNvPr id="10" name="Footer Placeholder 9"/>
           <p:cNvSpPr>
             <a:spLocks noGrp="1"/>
@@ -4242,7 +4213,7 @@
           <p:cNvPr id="8" name="Picture 9">
             <a:extLst>
               <a:ext uri="{FF2B5EF4-FFF2-40B4-BE49-F238E27FC236}">
-                <a16:creationId xmlns:a16="http://schemas.microsoft.com/office/drawing/2014/main" id="{6B975944-0741-42E5-B82F-2A0C743F3935}"/>
+                <a16:creationId xmlns:a16="http://schemas.microsoft.com/office/drawing/2014/main" xmlns="" id="{6B975944-0741-42E5-B82F-2A0C743F3935}"/>
               </a:ext>
             </a:extLst>
           </p:cNvPr>
@@ -4255,7 +4226,7 @@
           <a:blip r:embed="rId2">
             <a:extLst>
               <a:ext uri="{28A0092B-C50C-407E-A947-70E740481C1C}">
-                <a14:useLocalDpi xmlns:a14="http://schemas.microsoft.com/office/drawing/2010/main" val="0"/>
+                <a14:useLocalDpi xmlns:a14="http://schemas.microsoft.com/office/drawing/2010/main" xmlns="" val="0"/>
               </a:ext>
             </a:extLst>
           </a:blip>
@@ -4278,7 +4249,7 @@
     </p:spTree>
     <p:extLst>
       <p:ext uri="{BB962C8B-B14F-4D97-AF65-F5344CB8AC3E}">
-        <p14:creationId xmlns:p14="http://schemas.microsoft.com/office/powerpoint/2010/main" val="1435777542"/>
+        <p14:creationId xmlns:p14="http://schemas.microsoft.com/office/powerpoint/2010/main" xmlns="" val="1435777542"/>
       </p:ext>
     </p:extLst>
   </p:cSld>
@@ -4970,28 +4941,6 @@
       </p:sp>
       <p:sp>
         <p:nvSpPr>
-          <p:cNvPr id="6" name="Date Placeholder 5"/>
-          <p:cNvSpPr>
-            <a:spLocks noGrp="1"/>
-          </p:cNvSpPr>
-          <p:nvPr>
-            <p:ph type="dt" sz="half" idx="2"/>
-          </p:nvPr>
-        </p:nvSpPr>
-        <p:spPr/>
-        <p:txBody>
-          <a:bodyPr/>
-          <a:lstStyle/>
-          <a:p>
-            <a:r>
-              <a:rPr lang="en-CA" dirty="0"/>
-              <a:t>Winter 2022</a:t>
-            </a:r>
-          </a:p>
-        </p:txBody>
-      </p:sp>
-      <p:sp>
-        <p:nvSpPr>
           <p:cNvPr id="10" name="Footer Placeholder 9"/>
           <p:cNvSpPr>
             <a:spLocks noGrp="1"/>
@@ -5042,7 +4991,7 @@
     </p:spTree>
     <p:extLst>
       <p:ext uri="{BB962C8B-B14F-4D97-AF65-F5344CB8AC3E}">
-        <p14:creationId xmlns:p14="http://schemas.microsoft.com/office/powerpoint/2010/main" val="997206608"/>
+        <p14:creationId xmlns:p14="http://schemas.microsoft.com/office/powerpoint/2010/main" xmlns="" val="997206608"/>
       </p:ext>
     </p:extLst>
   </p:cSld>
@@ -5357,28 +5306,6 @@
       </p:sp>
       <p:sp>
         <p:nvSpPr>
-          <p:cNvPr id="6" name="Date Placeholder 5"/>
-          <p:cNvSpPr>
-            <a:spLocks noGrp="1"/>
-          </p:cNvSpPr>
-          <p:nvPr>
-            <p:ph type="dt" sz="half" idx="2"/>
-          </p:nvPr>
-        </p:nvSpPr>
-        <p:spPr/>
-        <p:txBody>
-          <a:bodyPr/>
-          <a:lstStyle/>
-          <a:p>
-            <a:r>
-              <a:rPr lang="en-CA" dirty="0"/>
-              <a:t>Winter 2022</a:t>
-            </a:r>
-          </a:p>
-        </p:txBody>
-      </p:sp>
-      <p:sp>
-        <p:nvSpPr>
           <p:cNvPr id="10" name="Footer Placeholder 9"/>
           <p:cNvSpPr>
             <a:spLocks noGrp="1"/>
@@ -5429,7 +5356,7 @@
     </p:spTree>
     <p:extLst>
       <p:ext uri="{BB962C8B-B14F-4D97-AF65-F5344CB8AC3E}">
-        <p14:creationId xmlns:p14="http://schemas.microsoft.com/office/powerpoint/2010/main" val="1089570905"/>
+        <p14:creationId xmlns:p14="http://schemas.microsoft.com/office/powerpoint/2010/main" xmlns="" val="1089570905"/>
       </p:ext>
     </p:extLst>
   </p:cSld>
@@ -5569,28 +5496,6 @@
       </p:sp>
       <p:sp>
         <p:nvSpPr>
-          <p:cNvPr id="6" name="Date Placeholder 5"/>
-          <p:cNvSpPr>
-            <a:spLocks noGrp="1"/>
-          </p:cNvSpPr>
-          <p:nvPr>
-            <p:ph type="dt" sz="half" idx="2"/>
-          </p:nvPr>
-        </p:nvSpPr>
-        <p:spPr/>
-        <p:txBody>
-          <a:bodyPr/>
-          <a:lstStyle/>
-          <a:p>
-            <a:r>
-              <a:rPr lang="en-CA" dirty="0"/>
-              <a:t>Winter 2022</a:t>
-            </a:r>
-          </a:p>
-        </p:txBody>
-      </p:sp>
-      <p:sp>
-        <p:nvSpPr>
           <p:cNvPr id="10" name="Footer Placeholder 9"/>
           <p:cNvSpPr>
             <a:spLocks noGrp="1"/>
@@ -5641,7 +5546,7 @@
     </p:spTree>
     <p:extLst>
       <p:ext uri="{BB962C8B-B14F-4D97-AF65-F5344CB8AC3E}">
-        <p14:creationId xmlns:p14="http://schemas.microsoft.com/office/powerpoint/2010/main" val="600883054"/>
+        <p14:creationId xmlns:p14="http://schemas.microsoft.com/office/powerpoint/2010/main" xmlns="" val="600883054"/>
       </p:ext>
     </p:extLst>
   </p:cSld>
@@ -5752,28 +5657,6 @@
       </p:sp>
       <p:sp>
         <p:nvSpPr>
-          <p:cNvPr id="6" name="Date Placeholder 5"/>
-          <p:cNvSpPr>
-            <a:spLocks noGrp="1"/>
-          </p:cNvSpPr>
-          <p:nvPr>
-            <p:ph type="dt" sz="half" idx="2"/>
-          </p:nvPr>
-        </p:nvSpPr>
-        <p:spPr/>
-        <p:txBody>
-          <a:bodyPr/>
-          <a:lstStyle/>
-          <a:p>
-            <a:r>
-              <a:rPr lang="en-CA" dirty="0"/>
-              <a:t>Winter 2022</a:t>
-            </a:r>
-          </a:p>
-        </p:txBody>
-      </p:sp>
-      <p:sp>
-        <p:nvSpPr>
           <p:cNvPr id="10" name="Footer Placeholder 9"/>
           <p:cNvSpPr>
             <a:spLocks noGrp="1"/>
@@ -5826,7 +5709,7 @@
           <p:cNvPr id="8" name="Picture 5" descr="img007">
             <a:extLst>
               <a:ext uri="{FF2B5EF4-FFF2-40B4-BE49-F238E27FC236}">
-                <a16:creationId xmlns:a16="http://schemas.microsoft.com/office/drawing/2014/main" id="{E7ACBE9E-C205-47A1-8FE7-C74A311552E3}"/>
+                <a16:creationId xmlns:a16="http://schemas.microsoft.com/office/drawing/2014/main" xmlns="" id="{E7ACBE9E-C205-47A1-8FE7-C74A311552E3}"/>
               </a:ext>
             </a:extLst>
           </p:cNvPr>
@@ -5839,7 +5722,7 @@
           <a:blip r:embed="rId2">
             <a:extLst>
               <a:ext uri="{28A0092B-C50C-407E-A947-70E740481C1C}">
-                <a14:useLocalDpi xmlns:a14="http://schemas.microsoft.com/office/drawing/2010/main" val="0"/>
+                <a14:useLocalDpi xmlns:a14="http://schemas.microsoft.com/office/drawing/2010/main" xmlns="" val="0"/>
               </a:ext>
             </a:extLst>
           </a:blip>
@@ -5862,7 +5745,7 @@
     </p:spTree>
     <p:extLst>
       <p:ext uri="{BB962C8B-B14F-4D97-AF65-F5344CB8AC3E}">
-        <p14:creationId xmlns:p14="http://schemas.microsoft.com/office/powerpoint/2010/main" val="1825364276"/>
+        <p14:creationId xmlns:p14="http://schemas.microsoft.com/office/powerpoint/2010/main" xmlns="" val="1825364276"/>
       </p:ext>
     </p:extLst>
   </p:cSld>
@@ -5915,7 +5798,7 @@
     </a:clrScheme>
     <a:fontScheme name="Office">
       <a:majorFont>
-        <a:latin typeface="Calibri Light" panose="020F0302020204030204"/>
+        <a:latin typeface="Calibri Light"/>
         <a:ea typeface=""/>
         <a:cs typeface=""/>
         <a:font script="Jpan" typeface="游ゴシック Light"/>
@@ -5967,7 +5850,7 @@
         <a:font script="Tfng" typeface="Ebrima"/>
       </a:majorFont>
       <a:minorFont>
-        <a:latin typeface="Calibri" panose="020F0502020204030204"/>
+        <a:latin typeface="Calibri"/>
         <a:ea typeface=""/>
         <a:cs typeface=""/>
         <a:font script="Jpan" typeface="游ゴシック"/>
@@ -6161,7 +6044,7 @@
   <a:extraClrSchemeLst/>
   <a:extLst>
     <a:ext uri="{05A4C25C-085E-4340-85A3-A5531E510DB2}">
-      <thm15:themeFamily xmlns:thm15="http://schemas.microsoft.com/office/thememl/2012/main" name="eye_tracker_presentation" id="{00ED1D97-A04B-46A0-BB71-88655A6B057F}" vid="{F36189FA-3966-4852-951E-5734674D1C7B}"/>
+      <thm15:themeFamily xmlns:thm15="http://schemas.microsoft.com/office/thememl/2012/main" xmlns="" name="eye_tracker_presentation" id="{00ED1D97-A04B-46A0-BB71-88655A6B057F}" vid="{F36189FA-3966-4852-951E-5734674D1C7B}"/>
     </a:ext>
   </a:extLst>
 </a:theme>
@@ -6210,7 +6093,7 @@
     </a:clrScheme>
     <a:fontScheme name="Office">
       <a:majorFont>
-        <a:latin typeface="Calibri Light" panose="020F0302020204030204"/>
+        <a:latin typeface="Calibri Light"/>
         <a:ea typeface=""/>
         <a:cs typeface=""/>
         <a:font script="Jpan" typeface="游ゴシック Light"/>
@@ -6262,7 +6145,7 @@
         <a:font script="Tfng" typeface="Ebrima"/>
       </a:majorFont>
       <a:minorFont>
-        <a:latin typeface="Calibri" panose="020F0502020204030204"/>
+        <a:latin typeface="Calibri"/>
         <a:ea typeface=""/>
         <a:cs typeface=""/>
         <a:font script="Jpan" typeface="游ゴシック"/>
@@ -6456,7 +6339,7 @@
   <a:extraClrSchemeLst/>
   <a:extLst>
     <a:ext uri="{05A4C25C-085E-4340-85A3-A5531E510DB2}">
-      <thm15:themeFamily xmlns:thm15="http://schemas.microsoft.com/office/thememl/2012/main" name="Office Theme" id="{62F939B6-93AF-4DB8-9C6B-D6C7DFDC589F}" vid="{4A3C46E8-61CC-4603-A589-7422A47A8E4A}"/>
+      <thm15:themeFamily xmlns:thm15="http://schemas.microsoft.com/office/thememl/2012/main" xmlns="" name="Office Theme" id="{62F939B6-93AF-4DB8-9C6B-D6C7DFDC589F}" vid="{4A3C46E8-61CC-4603-A589-7422A47A8E4A}"/>
     </a:ext>
   </a:extLst>
 </a:theme>
